--- a/Escrito/Econo.pptx
+++ b/Escrito/Econo.pptx
@@ -5,7 +5,7 @@
     <p:sldMasterId id="2147483660" r:id="rId1"/>
   </p:sldMasterIdLst>
   <p:notesMasterIdLst>
-    <p:notesMasterId r:id="rId11"/>
+    <p:notesMasterId r:id="rId12"/>
   </p:notesMasterIdLst>
   <p:sldIdLst>
     <p:sldId id="256" r:id="rId2"/>
@@ -16,45 +16,46 @@
     <p:sldId id="261" r:id="rId7"/>
     <p:sldId id="262" r:id="rId8"/>
     <p:sldId id="266" r:id="rId9"/>
-    <p:sldId id="265" r:id="rId10"/>
+    <p:sldId id="267" r:id="rId10"/>
+    <p:sldId id="265" r:id="rId11"/>
   </p:sldIdLst>
   <p:sldSz cx="12192000" cy="6858000"/>
   <p:notesSz cx="6858000" cy="9144000"/>
   <p:embeddedFontLst>
     <p:embeddedFont>
       <p:font typeface="Cambria" panose="02040503050406030204" pitchFamily="18" charset="0"/>
-      <p:regular r:id="rId12"/>
-      <p:bold r:id="rId13"/>
-      <p:italic r:id="rId14"/>
-      <p:boldItalic r:id="rId15"/>
+      <p:regular r:id="rId13"/>
+      <p:bold r:id="rId14"/>
+      <p:italic r:id="rId15"/>
+      <p:boldItalic r:id="rId16"/>
     </p:embeddedFont>
     <p:embeddedFont>
       <p:font typeface="Nunito" panose="020B0604020202020204" charset="0"/>
-      <p:regular r:id="rId16"/>
-      <p:bold r:id="rId17"/>
-      <p:italic r:id="rId18"/>
-      <p:boldItalic r:id="rId19"/>
+      <p:regular r:id="rId17"/>
+      <p:bold r:id="rId18"/>
+      <p:italic r:id="rId19"/>
+      <p:boldItalic r:id="rId20"/>
     </p:embeddedFont>
     <p:embeddedFont>
       <p:font typeface="Calibri" panose="020F0502020204030204" pitchFamily="34" charset="0"/>
-      <p:regular r:id="rId20"/>
-      <p:bold r:id="rId21"/>
-      <p:italic r:id="rId22"/>
-      <p:boldItalic r:id="rId23"/>
+      <p:regular r:id="rId21"/>
+      <p:bold r:id="rId22"/>
+      <p:italic r:id="rId23"/>
+      <p:boldItalic r:id="rId24"/>
     </p:embeddedFont>
     <p:embeddedFont>
       <p:font typeface="Rockwell" panose="02060603020205020403" pitchFamily="18" charset="0"/>
-      <p:regular r:id="rId24"/>
-      <p:bold r:id="rId25"/>
-      <p:italic r:id="rId26"/>
-      <p:boldItalic r:id="rId27"/>
+      <p:regular r:id="rId25"/>
+      <p:bold r:id="rId26"/>
+      <p:italic r:id="rId27"/>
+      <p:boldItalic r:id="rId28"/>
     </p:embeddedFont>
     <p:embeddedFont>
       <p:font typeface="Bookman Old Style" panose="02050604050505020204" pitchFamily="18" charset="0"/>
-      <p:regular r:id="rId28"/>
-      <p:bold r:id="rId29"/>
-      <p:italic r:id="rId30"/>
-      <p:boldItalic r:id="rId31"/>
+      <p:regular r:id="rId29"/>
+      <p:bold r:id="rId30"/>
+      <p:italic r:id="rId31"/>
+      <p:boldItalic r:id="rId32"/>
     </p:embeddedFont>
   </p:embeddedFontLst>
   <p:defaultTextStyle>
@@ -286,6 +287,11 @@
       </a:defRPr>
     </a:lvl9pPr>
   </p:defaultTextStyle>
+  <p:extLst>
+    <p:ext uri="{EFAFB233-063F-42B5-8137-9DF3F51BA10A}">
+      <p15:sldGuideLst xmlns:p15="http://schemas.microsoft.com/office/powerpoint/2012/main"/>
+    </p:ext>
+  </p:extLst>
 </p:presentation>
 </file>
 
@@ -840,6 +846,119 @@
 </p:notes>
 </file>
 
+<file path=ppt/notesSlides/notesSlide10.xml><?xml version="1.0" encoding="utf-8"?>
+<p:notes xmlns:a="http://schemas.openxmlformats.org/drawingml/2006/main" xmlns:r="http://schemas.openxmlformats.org/officeDocument/2006/relationships" xmlns:p="http://schemas.openxmlformats.org/presentationml/2006/main" showMasterSp="0" showMasterPhAnim="0">
+  <p:cSld>
+    <p:spTree>
+      <p:nvGrpSpPr>
+        <p:cNvPr id="1" name="Shape 130"/>
+        <p:cNvGrpSpPr/>
+        <p:nvPr/>
+      </p:nvGrpSpPr>
+      <p:grpSpPr>
+        <a:xfrm>
+          <a:off x="0" y="0"/>
+          <a:ext cx="0" cy="0"/>
+          <a:chOff x="0" y="0"/>
+          <a:chExt cx="0" cy="0"/>
+        </a:xfrm>
+      </p:grpSpPr>
+      <p:sp>
+        <p:nvSpPr>
+          <p:cNvPr id="131" name="Shape 131"/>
+          <p:cNvSpPr txBox="1">
+            <a:spLocks noGrp="1"/>
+          </p:cNvSpPr>
+          <p:nvPr>
+            <p:ph type="body" idx="1"/>
+          </p:nvPr>
+        </p:nvSpPr>
+        <p:spPr>
+          <a:xfrm>
+            <a:off x="685800" y="4343400"/>
+            <a:ext cx="5486400" cy="4114800"/>
+          </a:xfrm>
+          <a:prstGeom prst="rect">
+            <a:avLst/>
+          </a:prstGeom>
+          <a:noFill/>
+          <a:ln>
+            <a:noFill/>
+          </a:ln>
+        </p:spPr>
+        <p:txBody>
+          <a:bodyPr spcFirstLastPara="1" wrap="square" lIns="91425" tIns="91425" rIns="91425" bIns="91425" anchor="ctr" anchorCtr="0">
+            <a:noAutofit/>
+          </a:bodyPr>
+          <a:lstStyle/>
+          <a:p>
+            <a:pPr marL="0" lvl="0" indent="0">
+              <a:spcBef>
+                <a:spcPts val="0"/>
+              </a:spcBef>
+              <a:spcAft>
+                <a:spcPts val="0"/>
+              </a:spcAft>
+              <a:buNone/>
+            </a:pPr>
+            <a:endParaRPr/>
+          </a:p>
+        </p:txBody>
+      </p:sp>
+      <p:sp>
+        <p:nvSpPr>
+          <p:cNvPr id="132" name="Shape 132"/>
+          <p:cNvSpPr>
+            <a:spLocks noGrp="1" noRot="1" noChangeAspect="1"/>
+          </p:cNvSpPr>
+          <p:nvPr>
+            <p:ph type="sldImg" idx="2"/>
+          </p:nvPr>
+        </p:nvSpPr>
+        <p:spPr>
+          <a:xfrm>
+            <a:off x="381000" y="685800"/>
+            <a:ext cx="6096000" cy="3429000"/>
+          </a:xfrm>
+          <a:custGeom>
+            <a:avLst/>
+            <a:gdLst/>
+            <a:ahLst/>
+            <a:cxnLst/>
+            <a:rect l="0" t="0" r="0" b="0"/>
+            <a:pathLst>
+              <a:path w="120000" h="120000" extrusionOk="0">
+                <a:moveTo>
+                  <a:pt x="0" y="0"/>
+                </a:moveTo>
+                <a:lnTo>
+                  <a:pt x="120000" y="0"/>
+                </a:lnTo>
+                <a:lnTo>
+                  <a:pt x="120000" y="120000"/>
+                </a:lnTo>
+                <a:lnTo>
+                  <a:pt x="0" y="120000"/>
+                </a:lnTo>
+                <a:close/>
+              </a:path>
+            </a:pathLst>
+          </a:custGeom>
+        </p:spPr>
+      </p:sp>
+    </p:spTree>
+    <p:extLst>
+      <p:ext uri="{BB962C8B-B14F-4D97-AF65-F5344CB8AC3E}">
+        <p14:creationId xmlns:p14="http://schemas.microsoft.com/office/powerpoint/2010/main" val="2779663"/>
+      </p:ext>
+    </p:extLst>
+  </p:cSld>
+  <p:clrMapOvr>
+    <a:masterClrMapping/>
+  </p:clrMapOvr>
+</p:notes>
+</file>
+
 <file path=ppt/notesSlides/notesSlide2.xml><?xml version="1.0" encoding="utf-8"?>
 <p:notes xmlns:a="http://schemas.openxmlformats.org/drawingml/2006/main" xmlns:r="http://schemas.openxmlformats.org/officeDocument/2006/relationships" xmlns:p="http://schemas.openxmlformats.org/presentationml/2006/main" showMasterSp="0" showMasterPhAnim="0">
   <p:cSld>
@@ -1606,7 +1725,7 @@
   <p:cSld>
     <p:spTree>
       <p:nvGrpSpPr>
-        <p:cNvPr id="1" name="Shape 130"/>
+        <p:cNvPr id="1" name="Shape 190"/>
         <p:cNvGrpSpPr/>
         <p:nvPr/>
       </p:nvGrpSpPr>
@@ -1620,7 +1739,7 @@
       </p:grpSpPr>
       <p:sp>
         <p:nvSpPr>
-          <p:cNvPr id="131" name="Shape 131"/>
+          <p:cNvPr id="191" name="Shape 191"/>
           <p:cNvSpPr txBox="1">
             <a:spLocks noGrp="1"/>
           </p:cNvSpPr>
@@ -1662,7 +1781,7 @@
       </p:sp>
       <p:sp>
         <p:nvSpPr>
-          <p:cNvPr id="132" name="Shape 132"/>
+          <p:cNvPr id="192" name="Shape 192"/>
           <p:cNvSpPr>
             <a:spLocks noGrp="1" noRot="1" noChangeAspect="1"/>
           </p:cNvSpPr>
@@ -1704,7 +1823,7 @@
     </p:spTree>
     <p:extLst>
       <p:ext uri="{BB962C8B-B14F-4D97-AF65-F5344CB8AC3E}">
-        <p14:creationId xmlns:p14="http://schemas.microsoft.com/office/powerpoint/2010/main" val="2779663"/>
+        <p14:creationId xmlns:p14="http://schemas.microsoft.com/office/powerpoint/2010/main" val="3718952157"/>
       </p:ext>
     </p:extLst>
   </p:cSld>
@@ -11074,6 +11193,76 @@
 </p:sld>
 </file>
 
+<file path=ppt/slides/slide10.xml><?xml version="1.0" encoding="utf-8"?>
+<p:sld xmlns:a="http://schemas.openxmlformats.org/drawingml/2006/main" xmlns:r="http://schemas.openxmlformats.org/officeDocument/2006/relationships" xmlns:p="http://schemas.openxmlformats.org/presentationml/2006/main">
+  <p:cSld>
+    <p:spTree>
+      <p:nvGrpSpPr>
+        <p:cNvPr id="1" name="Shape 133"/>
+        <p:cNvGrpSpPr/>
+        <p:nvPr/>
+      </p:nvGrpSpPr>
+      <p:grpSpPr>
+        <a:xfrm>
+          <a:off x="0" y="0"/>
+          <a:ext cx="0" cy="0"/>
+          <a:chOff x="0" y="0"/>
+          <a:chExt cx="0" cy="0"/>
+        </a:xfrm>
+      </p:grpSpPr>
+      <p:pic>
+        <p:nvPicPr>
+          <p:cNvPr id="5" name="Imagen 4">
+            <a:extLst>
+              <a:ext uri="{FF2B5EF4-FFF2-40B4-BE49-F238E27FC236}">
+                <a16:creationId xmlns:a16="http://schemas.microsoft.com/office/drawing/2014/main" id="{B3D6BF02-BB41-457E-BC2D-1888B389555A}"/>
+              </a:ext>
+            </a:extLst>
+          </p:cNvPr>
+          <p:cNvPicPr>
+            <a:picLocks noChangeAspect="1"/>
+          </p:cNvPicPr>
+          <p:nvPr/>
+        </p:nvPicPr>
+        <p:blipFill>
+          <a:blip r:embed="rId3"/>
+          <a:stretch>
+            <a:fillRect/>
+          </a:stretch>
+        </p:blipFill>
+        <p:spPr>
+          <a:xfrm>
+            <a:off x="2791068" y="1408271"/>
+            <a:ext cx="6801168" cy="3486458"/>
+          </a:xfrm>
+          <a:prstGeom prst="rect">
+            <a:avLst/>
+          </a:prstGeom>
+          <a:ln>
+            <a:noFill/>
+          </a:ln>
+          <a:effectLst>
+            <a:outerShdw blurRad="292100" dist="139700" dir="2700000" algn="tl" rotWithShape="0">
+              <a:srgbClr val="333333">
+                <a:alpha val="65000"/>
+              </a:srgbClr>
+            </a:outerShdw>
+          </a:effectLst>
+        </p:spPr>
+      </p:pic>
+    </p:spTree>
+    <p:extLst>
+      <p:ext uri="{BB962C8B-B14F-4D97-AF65-F5344CB8AC3E}">
+        <p14:creationId xmlns:p14="http://schemas.microsoft.com/office/powerpoint/2010/main" val="1690269784"/>
+      </p:ext>
+    </p:extLst>
+  </p:cSld>
+  <p:clrMapOvr>
+    <a:masterClrMapping/>
+  </p:clrMapOvr>
+</p:sld>
+</file>
+
 <file path=ppt/slides/slide2.xml><?xml version="1.0" encoding="utf-8"?>
 <p:sld xmlns:a="http://schemas.openxmlformats.org/drawingml/2006/main" xmlns:r="http://schemas.openxmlformats.org/officeDocument/2006/relationships" xmlns:p="http://schemas.openxmlformats.org/presentationml/2006/main">
   <p:cSld>
@@ -13515,7 +13704,7 @@
   <p:cSld>
     <p:spTree>
       <p:nvGrpSpPr>
-        <p:cNvPr id="1" name="Shape 133"/>
+        <p:cNvPr id="1" name="Shape 193"/>
         <p:cNvGrpSpPr/>
         <p:nvPr/>
       </p:nvGrpSpPr>
@@ -13529,10 +13718,10 @@
       </p:grpSpPr>
       <p:pic>
         <p:nvPicPr>
-          <p:cNvPr id="5" name="Imagen 4">
+          <p:cNvPr id="2" name="Imagen 1">
             <a:extLst>
               <a:ext uri="{FF2B5EF4-FFF2-40B4-BE49-F238E27FC236}">
-                <a16:creationId xmlns:a16="http://schemas.microsoft.com/office/drawing/2014/main" id="{B3D6BF02-BB41-457E-BC2D-1888B389555A}"/>
+                <a16:creationId xmlns:a16="http://schemas.microsoft.com/office/drawing/2014/main" id="{874797A2-41E4-491D-BEDD-771D6B686DEB}"/>
               </a:ext>
             </a:extLst>
           </p:cNvPr>
@@ -13549,28 +13738,272 @@
         </p:blipFill>
         <p:spPr>
           <a:xfrm>
-            <a:off x="2791068" y="1408271"/>
-            <a:ext cx="6801168" cy="3486458"/>
+            <a:off x="6477000" y="3048000"/>
+            <a:ext cx="5715000" cy="3810000"/>
           </a:xfrm>
           <a:prstGeom prst="rect">
             <a:avLst/>
           </a:prstGeom>
+        </p:spPr>
+      </p:pic>
+      <p:sp>
+        <p:nvSpPr>
+          <p:cNvPr id="194" name="Shape 194"/>
+          <p:cNvSpPr txBox="1">
+            <a:spLocks noGrp="1"/>
+          </p:cNvSpPr>
+          <p:nvPr>
+            <p:ph type="body" idx="1"/>
+          </p:nvPr>
+        </p:nvSpPr>
+        <p:spPr>
+          <a:xfrm>
+            <a:off x="919200" y="1900518"/>
+            <a:ext cx="7238682" cy="3499029"/>
+          </a:xfrm>
+          <a:prstGeom prst="rect">
+            <a:avLst/>
+          </a:prstGeom>
+          <a:noFill/>
           <a:ln>
             <a:noFill/>
           </a:ln>
-          <a:effectLst>
-            <a:outerShdw blurRad="292100" dist="139700" dir="2700000" algn="tl" rotWithShape="0">
-              <a:srgbClr val="333333">
-                <a:alpha val="65000"/>
-              </a:srgbClr>
-            </a:outerShdw>
-          </a:effectLst>
         </p:spPr>
-      </p:pic>
+        <p:txBody>
+          <a:bodyPr spcFirstLastPara="1" wrap="square" lIns="91425" tIns="45700" rIns="91425" bIns="45700" anchor="t" anchorCtr="0">
+            <a:noAutofit/>
+          </a:bodyPr>
+          <a:lstStyle/>
+          <a:p>
+            <a:pPr marL="101600" indent="0" fontAlgn="base">
+              <a:buNone/>
+            </a:pPr>
+            <a:r>
+              <a:rPr lang="es-419" sz="2400" dirty="0">
+                <a:solidFill>
+                  <a:schemeClr val="accent5"/>
+                </a:solidFill>
+              </a:rPr>
+              <a:t>Escalabilidad.</a:t>
+            </a:r>
+          </a:p>
+          <a:p>
+            <a:pPr marL="101600" indent="0" fontAlgn="base">
+              <a:buNone/>
+            </a:pPr>
+            <a:r>
+              <a:rPr lang="es-419" sz="2400" dirty="0">
+                <a:solidFill>
+                  <a:schemeClr val="accent5"/>
+                </a:solidFill>
+              </a:rPr>
+              <a:t>Usar tecnología con respaldo en documentación.</a:t>
+            </a:r>
+          </a:p>
+          <a:p>
+            <a:pPr marL="101600" indent="0" fontAlgn="base">
+              <a:buNone/>
+            </a:pPr>
+            <a:r>
+              <a:rPr lang="es-419" sz="2400" dirty="0">
+                <a:solidFill>
+                  <a:schemeClr val="accent5"/>
+                </a:solidFill>
+              </a:rPr>
+              <a:t>Migrar la lógica de negocio al lado del servidor.</a:t>
+            </a:r>
+            <a:endParaRPr sz="2400" dirty="0">
+              <a:solidFill>
+                <a:schemeClr val="accent5"/>
+              </a:solidFill>
+            </a:endParaRPr>
+          </a:p>
+        </p:txBody>
+      </p:sp>
+      <p:sp>
+        <p:nvSpPr>
+          <p:cNvPr id="195" name="Shape 195"/>
+          <p:cNvSpPr/>
+          <p:nvPr/>
+        </p:nvSpPr>
+        <p:spPr>
+          <a:xfrm>
+            <a:off x="0" y="372375"/>
+            <a:ext cx="10659300" cy="1117200"/>
+          </a:xfrm>
+          <a:prstGeom prst="rect">
+            <a:avLst/>
+          </a:prstGeom>
+          <a:solidFill>
+            <a:schemeClr val="lt1"/>
+          </a:solidFill>
+          <a:ln>
+            <a:noFill/>
+          </a:ln>
+        </p:spPr>
+        <p:txBody>
+          <a:bodyPr spcFirstLastPara="1" wrap="square" lIns="91425" tIns="91425" rIns="91425" bIns="91425" anchor="ctr" anchorCtr="0">
+            <a:noAutofit/>
+          </a:bodyPr>
+          <a:lstStyle/>
+          <a:p>
+            <a:pPr marL="0" lvl="0" indent="0">
+              <a:spcBef>
+                <a:spcPts val="0"/>
+              </a:spcBef>
+              <a:spcAft>
+                <a:spcPts val="0"/>
+              </a:spcAft>
+              <a:buNone/>
+            </a:pPr>
+            <a:endParaRPr/>
+          </a:p>
+        </p:txBody>
+      </p:sp>
+      <p:sp>
+        <p:nvSpPr>
+          <p:cNvPr id="196" name="Shape 196"/>
+          <p:cNvSpPr/>
+          <p:nvPr/>
+        </p:nvSpPr>
+        <p:spPr>
+          <a:xfrm>
+            <a:off x="10808900" y="372375"/>
+            <a:ext cx="458700" cy="1117200"/>
+          </a:xfrm>
+          <a:prstGeom prst="rect">
+            <a:avLst/>
+          </a:prstGeom>
+          <a:solidFill>
+            <a:schemeClr val="accent1"/>
+          </a:solidFill>
+          <a:ln>
+            <a:noFill/>
+          </a:ln>
+        </p:spPr>
+        <p:txBody>
+          <a:bodyPr spcFirstLastPara="1" wrap="square" lIns="91425" tIns="91425" rIns="91425" bIns="91425" anchor="ctr" anchorCtr="0">
+            <a:noAutofit/>
+          </a:bodyPr>
+          <a:lstStyle/>
+          <a:p>
+            <a:pPr marL="0" marR="0" lvl="0" indent="0" algn="l" rtl="0">
+              <a:lnSpc>
+                <a:spcPct val="100000"/>
+              </a:lnSpc>
+              <a:spcBef>
+                <a:spcPts val="0"/>
+              </a:spcBef>
+              <a:spcAft>
+                <a:spcPts val="0"/>
+              </a:spcAft>
+              <a:buNone/>
+            </a:pPr>
+            <a:endParaRPr/>
+          </a:p>
+        </p:txBody>
+      </p:sp>
+      <p:sp>
+        <p:nvSpPr>
+          <p:cNvPr id="197" name="Shape 197"/>
+          <p:cNvSpPr/>
+          <p:nvPr/>
+        </p:nvSpPr>
+        <p:spPr>
+          <a:xfrm>
+            <a:off x="11417200" y="372375"/>
+            <a:ext cx="458700" cy="1117200"/>
+          </a:xfrm>
+          <a:prstGeom prst="rect">
+            <a:avLst/>
+          </a:prstGeom>
+          <a:solidFill>
+            <a:schemeClr val="accent1"/>
+          </a:solidFill>
+          <a:ln>
+            <a:noFill/>
+          </a:ln>
+        </p:spPr>
+        <p:txBody>
+          <a:bodyPr spcFirstLastPara="1" wrap="square" lIns="91425" tIns="91425" rIns="91425" bIns="91425" anchor="ctr" anchorCtr="0">
+            <a:noAutofit/>
+          </a:bodyPr>
+          <a:lstStyle/>
+          <a:p>
+            <a:pPr marL="0" marR="0" lvl="0" indent="0" algn="l" rtl="0">
+              <a:lnSpc>
+                <a:spcPct val="100000"/>
+              </a:lnSpc>
+              <a:spcBef>
+                <a:spcPts val="0"/>
+              </a:spcBef>
+              <a:spcAft>
+                <a:spcPts val="0"/>
+              </a:spcAft>
+              <a:buNone/>
+            </a:pPr>
+            <a:endParaRPr/>
+          </a:p>
+        </p:txBody>
+      </p:sp>
+      <p:sp>
+        <p:nvSpPr>
+          <p:cNvPr id="198" name="Shape 198"/>
+          <p:cNvSpPr txBox="1">
+            <a:spLocks noGrp="1"/>
+          </p:cNvSpPr>
+          <p:nvPr>
+            <p:ph type="title"/>
+          </p:nvPr>
+        </p:nvSpPr>
+        <p:spPr>
+          <a:xfrm>
+            <a:off x="454995" y="267825"/>
+            <a:ext cx="10353900" cy="1326300"/>
+          </a:xfrm>
+          <a:prstGeom prst="rect">
+            <a:avLst/>
+          </a:prstGeom>
+          <a:noFill/>
+          <a:ln>
+            <a:noFill/>
+          </a:ln>
+        </p:spPr>
+        <p:txBody>
+          <a:bodyPr spcFirstLastPara="1" wrap="square" lIns="91425" tIns="45700" rIns="91425" bIns="45700" anchor="ctr" anchorCtr="0">
+            <a:noAutofit/>
+          </a:bodyPr>
+          <a:lstStyle/>
+          <a:p>
+            <a:pPr lvl="0"/>
+            <a:r>
+              <a:rPr lang="es-CR" sz="3400" b="1" i="0" u="none" strike="noStrike" cap="none" dirty="0">
+                <a:solidFill>
+                  <a:srgbClr val="FFFFFF"/>
+                </a:solidFill>
+                <a:latin typeface="Bookman Old Style"/>
+                <a:ea typeface="Bookman Old Style"/>
+                <a:cs typeface="Bookman Old Style"/>
+                <a:sym typeface="Bookman Old Style"/>
+              </a:rPr>
+              <a:t>Recomendaciones</a:t>
+            </a:r>
+            <a:endParaRPr sz="3400" b="1" i="0" u="none" strike="noStrike" cap="none" dirty="0">
+              <a:solidFill>
+                <a:srgbClr val="FFFFFF"/>
+              </a:solidFill>
+              <a:latin typeface="Bookman Old Style"/>
+              <a:ea typeface="Bookman Old Style"/>
+              <a:cs typeface="Bookman Old Style"/>
+              <a:sym typeface="Bookman Old Style"/>
+            </a:endParaRPr>
+          </a:p>
+        </p:txBody>
+      </p:sp>
     </p:spTree>
     <p:extLst>
       <p:ext uri="{BB962C8B-B14F-4D97-AF65-F5344CB8AC3E}">
-        <p14:creationId xmlns:p14="http://schemas.microsoft.com/office/powerpoint/2010/main" val="1690269784"/>
+        <p14:creationId xmlns:p14="http://schemas.microsoft.com/office/powerpoint/2010/main" val="3888185352"/>
       </p:ext>
     </p:extLst>
   </p:cSld>
